--- a/docs/定年退職者向けマッチングサービス概要（市町村向け）.pptx
+++ b/docs/定年退職者向けマッチングサービス概要（市町村向け）.pptx
@@ -2351,11 +2351,7 @@
             </a:r>
             <a:r>
               <a:rPr lang="ja-JP" altLang="en-US" dirty="0" smtClean="0"/>
-              <a:t>サービスを</a:t>
-            </a:r>
-            <a:r>
-              <a:rPr lang="ja-JP" altLang="en-US" dirty="0" smtClean="0"/>
-              <a:t>使用することで、人件費などのコスト削減、依頼件数の増大</a:t>
+              <a:t>サービスを市町村が運営することで、人件費などのコスト削減、依頼件数の増大</a:t>
             </a:r>
             <a:r>
               <a:rPr lang="ja-JP" altLang="en-US" dirty="0"/>
@@ -3519,19 +3515,38 @@
           <a:lstStyle/>
           <a:p>
             <a:r>
-              <a:rPr kumimoji="1" lang="ja-JP" altLang="en-US" dirty="0" smtClean="0"/>
-              <a:t>・年金以外の収入源</a:t>
-            </a:r>
-            <a:endParaRPr kumimoji="1" lang="en-US" altLang="ja-JP" dirty="0" smtClean="0"/>
-          </a:p>
-          <a:p>
-            <a:r>
               <a:rPr lang="ja-JP" altLang="en-US" dirty="0" smtClean="0"/>
               <a:t>・</a:t>
             </a:r>
             <a:r>
+              <a:rPr lang="ja-JP" altLang="en-US" dirty="0"/>
+              <a:t>簡単に利用</a:t>
+            </a:r>
+            <a:r>
               <a:rPr lang="ja-JP" altLang="en-US" dirty="0" smtClean="0"/>
-              <a:t>生きがい、満足感</a:t>
+              <a:t>できる</a:t>
+            </a:r>
+            <a:endParaRPr kumimoji="1" lang="en-US" altLang="ja-JP" dirty="0" smtClean="0"/>
+          </a:p>
+          <a:p>
+            <a:r>
+              <a:rPr kumimoji="1" lang="ja-JP" altLang="en-US" dirty="0" smtClean="0"/>
+              <a:t>・</a:t>
+            </a:r>
+            <a:r>
+              <a:rPr kumimoji="1" lang="ja-JP" altLang="en-US" dirty="0" smtClean="0"/>
+              <a:t>年金以外の</a:t>
+            </a:r>
+            <a:r>
+              <a:rPr kumimoji="1" lang="ja-JP" altLang="en-US" dirty="0" smtClean="0"/>
+              <a:t>収入源</a:t>
+            </a:r>
+            <a:endParaRPr kumimoji="1" lang="en-US" altLang="ja-JP" dirty="0" smtClean="0"/>
+          </a:p>
+          <a:p>
+            <a:r>
+              <a:rPr lang="ja-JP" altLang="en-US" dirty="0" smtClean="0"/>
+              <a:t>・やりがい、満足感</a:t>
             </a:r>
             <a:endParaRPr lang="en-US" altLang="ja-JP" dirty="0" smtClean="0"/>
           </a:p>
@@ -3570,7 +3585,6 @@
           <a:bodyPr rtlCol="0" anchor="ctr"/>
           <a:lstStyle/>
           <a:p>
-            <a:pPr algn="ctr"/>
             <a:r>
               <a:rPr kumimoji="1" lang="ja-JP" altLang="en-US" dirty="0" smtClean="0"/>
               <a:t>・運営費の削減</a:t>
@@ -3578,7 +3592,6 @@
             <a:endParaRPr kumimoji="1" lang="en-US" altLang="ja-JP" dirty="0" smtClean="0"/>
           </a:p>
           <a:p>
-            <a:pPr algn="ctr"/>
             <a:r>
               <a:rPr lang="ja-JP" altLang="en-US" dirty="0"/>
               <a:t>・</a:t>
@@ -3590,7 +3603,6 @@
             <a:endParaRPr kumimoji="1" lang="en-US" altLang="ja-JP" dirty="0" smtClean="0"/>
           </a:p>
           <a:p>
-            <a:pPr algn="ctr"/>
             <a:r>
               <a:rPr lang="ja-JP" altLang="en-US" dirty="0" smtClean="0"/>
               <a:t>・トラブルの減少</a:t>
@@ -3715,7 +3727,7 @@
         <p:spPr>
           <a:xfrm>
             <a:off x="484846" y="1178796"/>
-            <a:ext cx="6534006" cy="2308324"/>
+            <a:ext cx="6534006" cy="2862322"/>
           </a:xfrm>
           <a:prstGeom prst="rect">
             <a:avLst/>
@@ -3728,6 +3740,39 @@
           </a:bodyPr>
           <a:lstStyle/>
           <a:p>
+            <a:pPr marL="171450" indent="-171450">
+              <a:buFont typeface="Arial" panose="020B0604020202020204" pitchFamily="34" charset="0"/>
+              <a:buChar char="•"/>
+            </a:pPr>
+            <a:r>
+              <a:rPr lang="ja-JP" altLang="en-US" sz="1200" dirty="0" smtClean="0"/>
+              <a:t>安全、安心</a:t>
+            </a:r>
+            <a:endParaRPr lang="en-US" altLang="ja-JP" sz="1200" dirty="0" smtClean="0"/>
+          </a:p>
+          <a:p>
+            <a:r>
+              <a:rPr lang="ja-JP" altLang="en-US" sz="1200" dirty="0"/>
+              <a:t>市町村</a:t>
+            </a:r>
+            <a:r>
+              <a:rPr lang="ja-JP" altLang="en-US" sz="1200" dirty="0" smtClean="0"/>
+              <a:t>が運営することで安心して仕事できる（または依頼できる）</a:t>
+            </a:r>
+            <a:endParaRPr lang="en-US" altLang="ja-JP" sz="1200" dirty="0" smtClean="0"/>
+          </a:p>
+          <a:p>
+            <a:pPr marL="171450" indent="-171450">
+              <a:buFont typeface="Arial" panose="020B0604020202020204" pitchFamily="34" charset="0"/>
+              <a:buChar char="•"/>
+            </a:pPr>
+            <a:endParaRPr lang="en-US" altLang="ja-JP" sz="1200" dirty="0"/>
+          </a:p>
+          <a:p>
+            <a:pPr marL="171450" indent="-171450">
+              <a:buFont typeface="Arial" panose="020B0604020202020204" pitchFamily="34" charset="0"/>
+              <a:buChar char="•"/>
+            </a:pPr>
             <a:r>
               <a:rPr lang="ja-JP" altLang="en-US" sz="1200" dirty="0" smtClean="0"/>
               <a:t>コミュニティ</a:t>
@@ -3745,7 +3790,11 @@
           <a:p>
             <a:r>
               <a:rPr lang="ja-JP" altLang="en-US" sz="1200" dirty="0" smtClean="0"/>
-              <a:t>→孤独化を防ぐ</a:t>
+              <a:t>孤独化</a:t>
+            </a:r>
+            <a:r>
+              <a:rPr lang="ja-JP" altLang="en-US" sz="1200" dirty="0" smtClean="0"/>
+              <a:t>を防ぐ</a:t>
             </a:r>
             <a:endParaRPr lang="en-US" altLang="ja-JP" sz="1200" dirty="0" smtClean="0"/>
           </a:p>
@@ -3753,6 +3802,10 @@
             <a:endParaRPr lang="en-US" altLang="ja-JP" sz="1200" dirty="0" smtClean="0"/>
           </a:p>
           <a:p>
+            <a:pPr marL="171450" indent="-171450">
+              <a:buFont typeface="Arial" panose="020B0604020202020204" pitchFamily="34" charset="0"/>
+              <a:buChar char="•"/>
+            </a:pPr>
             <a:r>
               <a:rPr lang="ja-JP" altLang="en-US" sz="1200" dirty="0" smtClean="0"/>
               <a:t>高齢者が収入を得れる</a:t>
@@ -3762,7 +3815,11 @@
           <a:p>
             <a:r>
               <a:rPr lang="ja-JP" altLang="en-US" sz="1200" dirty="0" smtClean="0"/>
-              <a:t>→将来への不安などを軽減</a:t>
+              <a:t>将来</a:t>
+            </a:r>
+            <a:r>
+              <a:rPr lang="ja-JP" altLang="en-US" sz="1200" dirty="0" smtClean="0"/>
+              <a:t>への不安などを軽減</a:t>
             </a:r>
             <a:endParaRPr lang="en-US" altLang="ja-JP" sz="1200" dirty="0" smtClean="0"/>
           </a:p>
@@ -3770,6 +3827,10 @@
             <a:endParaRPr lang="en-US" altLang="ja-JP" sz="1200" dirty="0" smtClean="0"/>
           </a:p>
           <a:p>
+            <a:pPr marL="171450" indent="-171450">
+              <a:buFont typeface="Arial" panose="020B0604020202020204" pitchFamily="34" charset="0"/>
+              <a:buChar char="•"/>
+            </a:pPr>
             <a:r>
               <a:rPr lang="ja-JP" altLang="en-US" sz="1200" dirty="0" smtClean="0"/>
               <a:t>健康面の改善</a:t>
@@ -3779,7 +3840,11 @@
           <a:p>
             <a:r>
               <a:rPr lang="ja-JP" altLang="en-US" sz="1200" dirty="0" smtClean="0"/>
-              <a:t>→ 認知症予防や、医療・介護費の削減につながる</a:t>
+              <a:t> </a:t>
+            </a:r>
+            <a:r>
+              <a:rPr lang="ja-JP" altLang="en-US" sz="1200" dirty="0" smtClean="0"/>
+              <a:t>認知症予防や、医療・介護費の削減につながる</a:t>
             </a:r>
             <a:endParaRPr lang="en-US" altLang="ja-JP" sz="1200" dirty="0" smtClean="0"/>
           </a:p>
